--- a/python/module2/presentation/урок 5 модуль 2.pptx
+++ b/python/module2/presentation/урок 5 модуль 2.pptx
@@ -16,6 +16,10 @@
     <p:sldId id="328" r:id="rId10"/>
     <p:sldId id="321" r:id="rId11"/>
     <p:sldId id="323" r:id="rId12"/>
+    <p:sldId id="329" r:id="rId13"/>
+    <p:sldId id="330" r:id="rId14"/>
+    <p:sldId id="332" r:id="rId15"/>
+    <p:sldId id="333" r:id="rId16"/>
   </p:sldIdLst>
   <p:sldSz cx="12192000" cy="6858000"/>
   <p:notesSz cx="6858000" cy="9144000"/>
@@ -116,7 +120,7 @@
   </p:defaultTextStyle>
   <p:extLst>
     <p:ext uri="{EFAFB233-063F-42B5-8137-9DF3F51BA10A}">
-      <p15:sldGuideLst xmlns:p15="http://schemas.microsoft.com/office/powerpoint/2012/main" xmlns="">
+      <p15:sldGuideLst xmlns="" xmlns:p15="http://schemas.microsoft.com/office/powerpoint/2012/main">
         <p15:guide id="1" orient="horz" pos="2160">
           <p15:clr>
             <a:srgbClr val="A4A3A4"/>
@@ -858,7 +862,7 @@
             <a:fld id="{3CCF56C0-5008-4DB4-8698-E16469066013}" type="datetimeFigureOut">
               <a:rPr lang="ru-RU" smtClean="0"/>
               <a:pPr/>
-              <a:t>14.01.2021</a:t>
+              <a:t>17.01.2021</a:t>
             </a:fld>
             <a:endParaRPr lang="ru-RU" dirty="0"/>
           </a:p>
@@ -910,7 +914,7 @@
     </p:spTree>
     <p:extLst>
       <p:ext uri="{BB962C8B-B14F-4D97-AF65-F5344CB8AC3E}">
-        <p14:creationId xmlns:p14="http://schemas.microsoft.com/office/powerpoint/2010/main" xmlns="" val="4238684791"/>
+        <p14:creationId xmlns="" xmlns:p14="http://schemas.microsoft.com/office/powerpoint/2010/main" val="4238684791"/>
       </p:ext>
     </p:extLst>
   </p:cSld>
@@ -1111,7 +1115,7 @@
             <a:fld id="{3CCF56C0-5008-4DB4-8698-E16469066013}" type="datetimeFigureOut">
               <a:rPr lang="ru-RU" smtClean="0"/>
               <a:pPr/>
-              <a:t>14.01.2021</a:t>
+              <a:t>17.01.2021</a:t>
             </a:fld>
             <a:endParaRPr lang="ru-RU" dirty="0"/>
           </a:p>
@@ -1163,7 +1167,7 @@
     </p:spTree>
     <p:extLst>
       <p:ext uri="{BB962C8B-B14F-4D97-AF65-F5344CB8AC3E}">
-        <p14:creationId xmlns:p14="http://schemas.microsoft.com/office/powerpoint/2010/main" xmlns="" val="3509571314"/>
+        <p14:creationId xmlns="" xmlns:p14="http://schemas.microsoft.com/office/powerpoint/2010/main" val="3509571314"/>
       </p:ext>
     </p:extLst>
   </p:cSld>
@@ -1427,7 +1431,7 @@
             <a:fld id="{3CCF56C0-5008-4DB4-8698-E16469066013}" type="datetimeFigureOut">
               <a:rPr lang="ru-RU" smtClean="0"/>
               <a:pPr/>
-              <a:t>14.01.2021</a:t>
+              <a:t>17.01.2021</a:t>
             </a:fld>
             <a:endParaRPr lang="ru-RU" dirty="0"/>
           </a:p>
@@ -1555,7 +1559,7 @@
     </p:spTree>
     <p:extLst>
       <p:ext uri="{BB962C8B-B14F-4D97-AF65-F5344CB8AC3E}">
-        <p14:creationId xmlns:p14="http://schemas.microsoft.com/office/powerpoint/2010/main" xmlns="" val="913784525"/>
+        <p14:creationId xmlns="" xmlns:p14="http://schemas.microsoft.com/office/powerpoint/2010/main" val="913784525"/>
       </p:ext>
     </p:extLst>
   </p:cSld>
@@ -1756,7 +1760,7 @@
             <a:fld id="{3CCF56C0-5008-4DB4-8698-E16469066013}" type="datetimeFigureOut">
               <a:rPr lang="ru-RU" smtClean="0"/>
               <a:pPr/>
-              <a:t>14.01.2021</a:t>
+              <a:t>17.01.2021</a:t>
             </a:fld>
             <a:endParaRPr lang="ru-RU" dirty="0"/>
           </a:p>
@@ -1808,7 +1812,7 @@
     </p:spTree>
     <p:extLst>
       <p:ext uri="{BB962C8B-B14F-4D97-AF65-F5344CB8AC3E}">
-        <p14:creationId xmlns:p14="http://schemas.microsoft.com/office/powerpoint/2010/main" xmlns="" val="1237628931"/>
+        <p14:creationId xmlns="" xmlns:p14="http://schemas.microsoft.com/office/powerpoint/2010/main" val="1237628931"/>
       </p:ext>
     </p:extLst>
   </p:cSld>
@@ -2072,7 +2076,7 @@
             <a:fld id="{3CCF56C0-5008-4DB4-8698-E16469066013}" type="datetimeFigureOut">
               <a:rPr lang="ru-RU" smtClean="0"/>
               <a:pPr/>
-              <a:t>14.01.2021</a:t>
+              <a:t>17.01.2021</a:t>
             </a:fld>
             <a:endParaRPr lang="ru-RU" dirty="0"/>
           </a:p>
@@ -2200,7 +2204,7 @@
     </p:spTree>
     <p:extLst>
       <p:ext uri="{BB962C8B-B14F-4D97-AF65-F5344CB8AC3E}">
-        <p14:creationId xmlns:p14="http://schemas.microsoft.com/office/powerpoint/2010/main" xmlns="" val="4076467919"/>
+        <p14:creationId xmlns="" xmlns:p14="http://schemas.microsoft.com/office/powerpoint/2010/main" val="4076467919"/>
       </p:ext>
     </p:extLst>
   </p:cSld>
@@ -2461,7 +2465,7 @@
             <a:fld id="{3CCF56C0-5008-4DB4-8698-E16469066013}" type="datetimeFigureOut">
               <a:rPr lang="ru-RU" smtClean="0"/>
               <a:pPr/>
-              <a:t>14.01.2021</a:t>
+              <a:t>17.01.2021</a:t>
             </a:fld>
             <a:endParaRPr lang="ru-RU" dirty="0"/>
           </a:p>
@@ -2513,7 +2517,7 @@
     </p:spTree>
     <p:extLst>
       <p:ext uri="{BB962C8B-B14F-4D97-AF65-F5344CB8AC3E}">
-        <p14:creationId xmlns:p14="http://schemas.microsoft.com/office/powerpoint/2010/main" xmlns="" val="2010692"/>
+        <p14:creationId xmlns="" xmlns:p14="http://schemas.microsoft.com/office/powerpoint/2010/main" val="2010692"/>
       </p:ext>
     </p:extLst>
   </p:cSld>
@@ -2633,7 +2637,7 @@
             <a:fld id="{3CCF56C0-5008-4DB4-8698-E16469066013}" type="datetimeFigureOut">
               <a:rPr lang="ru-RU" smtClean="0"/>
               <a:pPr/>
-              <a:t>14.01.2021</a:t>
+              <a:t>17.01.2021</a:t>
             </a:fld>
             <a:endParaRPr lang="ru-RU" dirty="0"/>
           </a:p>
@@ -2685,7 +2689,7 @@
     </p:spTree>
     <p:extLst>
       <p:ext uri="{BB962C8B-B14F-4D97-AF65-F5344CB8AC3E}">
-        <p14:creationId xmlns:p14="http://schemas.microsoft.com/office/powerpoint/2010/main" xmlns="" val="1184326843"/>
+        <p14:creationId xmlns="" xmlns:p14="http://schemas.microsoft.com/office/powerpoint/2010/main" val="1184326843"/>
       </p:ext>
     </p:extLst>
   </p:cSld>
@@ -2815,7 +2819,7 @@
             <a:fld id="{3CCF56C0-5008-4DB4-8698-E16469066013}" type="datetimeFigureOut">
               <a:rPr lang="ru-RU" smtClean="0"/>
               <a:pPr/>
-              <a:t>14.01.2021</a:t>
+              <a:t>17.01.2021</a:t>
             </a:fld>
             <a:endParaRPr lang="ru-RU" dirty="0"/>
           </a:p>
@@ -2867,7 +2871,7 @@
     </p:spTree>
     <p:extLst>
       <p:ext uri="{BB962C8B-B14F-4D97-AF65-F5344CB8AC3E}">
-        <p14:creationId xmlns:p14="http://schemas.microsoft.com/office/powerpoint/2010/main" xmlns="" val="529529951"/>
+        <p14:creationId xmlns="" xmlns:p14="http://schemas.microsoft.com/office/powerpoint/2010/main" val="529529951"/>
       </p:ext>
     </p:extLst>
   </p:cSld>
@@ -2993,7 +2997,7 @@
             <a:fld id="{3CCF56C0-5008-4DB4-8698-E16469066013}" type="datetimeFigureOut">
               <a:rPr lang="ru-RU" smtClean="0"/>
               <a:pPr/>
-              <a:t>14.01.2021</a:t>
+              <a:t>17.01.2021</a:t>
             </a:fld>
             <a:endParaRPr lang="ru-RU" dirty="0"/>
           </a:p>
@@ -3045,7 +3049,7 @@
     </p:spTree>
     <p:extLst>
       <p:ext uri="{BB962C8B-B14F-4D97-AF65-F5344CB8AC3E}">
-        <p14:creationId xmlns:p14="http://schemas.microsoft.com/office/powerpoint/2010/main" xmlns="" val="1794803828"/>
+        <p14:creationId xmlns="" xmlns:p14="http://schemas.microsoft.com/office/powerpoint/2010/main" val="1794803828"/>
       </p:ext>
     </p:extLst>
   </p:cSld>
@@ -3242,7 +3246,7 @@
             <a:fld id="{3CCF56C0-5008-4DB4-8698-E16469066013}" type="datetimeFigureOut">
               <a:rPr lang="ru-RU" smtClean="0"/>
               <a:pPr/>
-              <a:t>14.01.2021</a:t>
+              <a:t>17.01.2021</a:t>
             </a:fld>
             <a:endParaRPr lang="ru-RU" dirty="0"/>
           </a:p>
@@ -3294,7 +3298,7 @@
     </p:spTree>
     <p:extLst>
       <p:ext uri="{BB962C8B-B14F-4D97-AF65-F5344CB8AC3E}">
-        <p14:creationId xmlns:p14="http://schemas.microsoft.com/office/powerpoint/2010/main" xmlns="" val="1622354848"/>
+        <p14:creationId xmlns="" xmlns:p14="http://schemas.microsoft.com/office/powerpoint/2010/main" val="1622354848"/>
       </p:ext>
     </p:extLst>
   </p:cSld>
@@ -3476,7 +3480,7 @@
             <a:fld id="{3CCF56C0-5008-4DB4-8698-E16469066013}" type="datetimeFigureOut">
               <a:rPr lang="ru-RU" smtClean="0"/>
               <a:pPr/>
-              <a:t>14.01.2021</a:t>
+              <a:t>17.01.2021</a:t>
             </a:fld>
             <a:endParaRPr lang="ru-RU" dirty="0"/>
           </a:p>
@@ -3528,7 +3532,7 @@
     </p:spTree>
     <p:extLst>
       <p:ext uri="{BB962C8B-B14F-4D97-AF65-F5344CB8AC3E}">
-        <p14:creationId xmlns:p14="http://schemas.microsoft.com/office/powerpoint/2010/main" xmlns="" val="2665461008"/>
+        <p14:creationId xmlns="" xmlns:p14="http://schemas.microsoft.com/office/powerpoint/2010/main" val="2665461008"/>
       </p:ext>
     </p:extLst>
   </p:cSld>
@@ -3852,7 +3856,7 @@
             <a:fld id="{3CCF56C0-5008-4DB4-8698-E16469066013}" type="datetimeFigureOut">
               <a:rPr lang="ru-RU" smtClean="0"/>
               <a:pPr/>
-              <a:t>14.01.2021</a:t>
+              <a:t>17.01.2021</a:t>
             </a:fld>
             <a:endParaRPr lang="ru-RU" dirty="0"/>
           </a:p>
@@ -3904,7 +3908,7 @@
     </p:spTree>
     <p:extLst>
       <p:ext uri="{BB962C8B-B14F-4D97-AF65-F5344CB8AC3E}">
-        <p14:creationId xmlns:p14="http://schemas.microsoft.com/office/powerpoint/2010/main" xmlns="" val="2514946757"/>
+        <p14:creationId xmlns="" xmlns:p14="http://schemas.microsoft.com/office/powerpoint/2010/main" val="2514946757"/>
       </p:ext>
     </p:extLst>
   </p:cSld>
@@ -3977,7 +3981,7 @@
             <a:fld id="{3CCF56C0-5008-4DB4-8698-E16469066013}" type="datetimeFigureOut">
               <a:rPr lang="ru-RU" smtClean="0"/>
               <a:pPr/>
-              <a:t>14.01.2021</a:t>
+              <a:t>17.01.2021</a:t>
             </a:fld>
             <a:endParaRPr lang="ru-RU" dirty="0"/>
           </a:p>
@@ -4029,7 +4033,7 @@
     </p:spTree>
     <p:extLst>
       <p:ext uri="{BB962C8B-B14F-4D97-AF65-F5344CB8AC3E}">
-        <p14:creationId xmlns:p14="http://schemas.microsoft.com/office/powerpoint/2010/main" xmlns="" val="1009674793"/>
+        <p14:creationId xmlns="" xmlns:p14="http://schemas.microsoft.com/office/powerpoint/2010/main" val="1009674793"/>
       </p:ext>
     </p:extLst>
   </p:cSld>
@@ -4074,7 +4078,7 @@
             <a:fld id="{3CCF56C0-5008-4DB4-8698-E16469066013}" type="datetimeFigureOut">
               <a:rPr lang="ru-RU" smtClean="0"/>
               <a:pPr/>
-              <a:t>14.01.2021</a:t>
+              <a:t>17.01.2021</a:t>
             </a:fld>
             <a:endParaRPr lang="ru-RU" dirty="0"/>
           </a:p>
@@ -4126,7 +4130,7 @@
     </p:spTree>
     <p:extLst>
       <p:ext uri="{BB962C8B-B14F-4D97-AF65-F5344CB8AC3E}">
-        <p14:creationId xmlns:p14="http://schemas.microsoft.com/office/powerpoint/2010/main" xmlns="" val="37853350"/>
+        <p14:creationId xmlns="" xmlns:p14="http://schemas.microsoft.com/office/powerpoint/2010/main" val="37853350"/>
       </p:ext>
     </p:extLst>
   </p:cSld>
@@ -4331,7 +4335,7 @@
             <a:fld id="{3CCF56C0-5008-4DB4-8698-E16469066013}" type="datetimeFigureOut">
               <a:rPr lang="ru-RU" smtClean="0"/>
               <a:pPr/>
-              <a:t>14.01.2021</a:t>
+              <a:t>17.01.2021</a:t>
             </a:fld>
             <a:endParaRPr lang="ru-RU" dirty="0"/>
           </a:p>
@@ -4383,7 +4387,7 @@
     </p:spTree>
     <p:extLst>
       <p:ext uri="{BB962C8B-B14F-4D97-AF65-F5344CB8AC3E}">
-        <p14:creationId xmlns:p14="http://schemas.microsoft.com/office/powerpoint/2010/main" xmlns="" val="1485505807"/>
+        <p14:creationId xmlns="" xmlns:p14="http://schemas.microsoft.com/office/powerpoint/2010/main" val="1485505807"/>
       </p:ext>
     </p:extLst>
   </p:cSld>
@@ -4596,7 +4600,7 @@
             <a:fld id="{3CCF56C0-5008-4DB4-8698-E16469066013}" type="datetimeFigureOut">
               <a:rPr lang="ru-RU" smtClean="0"/>
               <a:pPr/>
-              <a:t>14.01.2021</a:t>
+              <a:t>17.01.2021</a:t>
             </a:fld>
             <a:endParaRPr lang="ru-RU" dirty="0"/>
           </a:p>
@@ -4648,7 +4652,7 @@
     </p:spTree>
     <p:extLst>
       <p:ext uri="{BB962C8B-B14F-4D97-AF65-F5344CB8AC3E}">
-        <p14:creationId xmlns:p14="http://schemas.microsoft.com/office/powerpoint/2010/main" xmlns="" val="1525686664"/>
+        <p14:creationId xmlns="" xmlns:p14="http://schemas.microsoft.com/office/powerpoint/2010/main" val="1525686664"/>
       </p:ext>
     </p:extLst>
   </p:cSld>
@@ -5343,7 +5347,7 @@
             <a:fld id="{3CCF56C0-5008-4DB4-8698-E16469066013}" type="datetimeFigureOut">
               <a:rPr lang="ru-RU" smtClean="0"/>
               <a:pPr/>
-              <a:t>14.01.2021</a:t>
+              <a:t>17.01.2021</a:t>
             </a:fld>
             <a:endParaRPr lang="ru-RU" dirty="0"/>
           </a:p>
@@ -5429,7 +5433,7 @@
     </p:spTree>
     <p:extLst>
       <p:ext uri="{BB962C8B-B14F-4D97-AF65-F5344CB8AC3E}">
-        <p14:creationId xmlns:p14="http://schemas.microsoft.com/office/powerpoint/2010/main" xmlns="" val="2523392475"/>
+        <p14:creationId xmlns="" xmlns:p14="http://schemas.microsoft.com/office/powerpoint/2010/main" val="2523392475"/>
       </p:ext>
     </p:extLst>
   </p:cSld>
@@ -5929,7 +5933,7 @@
     </p:spTree>
     <p:extLst>
       <p:ext uri="{BB962C8B-B14F-4D97-AF65-F5344CB8AC3E}">
-        <p14:creationId xmlns:p14="http://schemas.microsoft.com/office/powerpoint/2010/main" xmlns="" val="1354132756"/>
+        <p14:creationId xmlns="" xmlns:p14="http://schemas.microsoft.com/office/powerpoint/2010/main" val="1354132756"/>
       </p:ext>
     </p:extLst>
   </p:cSld>
@@ -6018,11 +6022,7 @@
             </a:pPr>
             <a:r>
               <a:rPr lang="ru-RU" dirty="0" smtClean="0"/>
-              <a:t>Теперь для получения того, что нам нужно пропишем все необходимые параметры</a:t>
-            </a:r>
-            <a:r>
-              <a:rPr lang="ru-RU" dirty="0" smtClean="0"/>
-              <a:t>:</a:t>
+              <a:t>Теперь для получения того, что нам нужно пропишем все необходимые параметры:</a:t>
             </a:r>
           </a:p>
           <a:p>
@@ -6117,10 +6117,10 @@
                   </a:schemeClr>
                 </a:solidFill>
               </a:rPr>
-              <a:t>пишется </a:t>
-            </a:r>
-            <a:r>
-              <a:rPr lang="ru-RU" dirty="0" smtClean="0">
+              <a:t>пишется минус - </a:t>
+            </a:r>
+            <a:r>
+              <a:rPr lang="en-US" dirty="0" smtClean="0">
                 <a:solidFill>
                   <a:schemeClr val="accent1">
                     <a:lumMod val="60000"/>
@@ -6128,8 +6128,14 @@
                   </a:schemeClr>
                 </a:solidFill>
               </a:rPr>
-              <a:t>минус - </a:t>
-            </a:r>
+              <a:t>)&amp;</a:t>
+            </a:r>
+            <a:endParaRPr lang="en-US" dirty="0" smtClean="0"/>
+          </a:p>
+          <a:p>
+            <a:pPr>
+              <a:buNone/>
+            </a:pPr>
             <a:r>
               <a:rPr lang="en-US" dirty="0" smtClean="0">
                 <a:solidFill>
@@ -6139,16 +6145,10 @@
                   </a:schemeClr>
                 </a:solidFill>
               </a:rPr>
-              <a:t>)&amp;</a:t>
-            </a:r>
-            <a:endParaRPr lang="en-US" dirty="0" smtClean="0"/>
-          </a:p>
-          <a:p>
-            <a:pPr>
-              <a:buNone/>
-            </a:pPr>
-            <a:r>
-              <a:rPr lang="en-US" dirty="0" smtClean="0">
+              <a:t>count=(</a:t>
+            </a:r>
+            <a:r>
+              <a:rPr lang="ru-RU" dirty="0" smtClean="0">
                 <a:solidFill>
                   <a:schemeClr val="accent1">
                     <a:lumMod val="60000"/>
@@ -6156,10 +6156,10 @@
                   </a:schemeClr>
                 </a:solidFill>
               </a:rPr>
-              <a:t>count=(</a:t>
-            </a:r>
-            <a:r>
-              <a:rPr lang="ru-RU" dirty="0" smtClean="0">
+              <a:t>количество объектов</a:t>
+            </a:r>
+            <a:r>
+              <a:rPr lang="en-US" dirty="0" smtClean="0">
                 <a:solidFill>
                   <a:schemeClr val="accent1">
                     <a:lumMod val="60000"/>
@@ -6167,10 +6167,10 @@
                   </a:schemeClr>
                 </a:solidFill>
               </a:rPr>
-              <a:t>количество объектов</a:t>
-            </a:r>
-            <a:r>
-              <a:rPr lang="en-US" dirty="0" smtClean="0">
+              <a:t>, </a:t>
+            </a:r>
+            <a:r>
+              <a:rPr lang="ru-RU" dirty="0" smtClean="0">
                 <a:solidFill>
                   <a:schemeClr val="accent1">
                     <a:lumMod val="60000"/>
@@ -6178,10 +6178,10 @@
                   </a:schemeClr>
                 </a:solidFill>
               </a:rPr>
-              <a:t>, </a:t>
-            </a:r>
-            <a:r>
-              <a:rPr lang="ru-RU" dirty="0" smtClean="0">
+              <a:t>в этом методе, максимальное число = 100</a:t>
+            </a:r>
+            <a:r>
+              <a:rPr lang="en-US" dirty="0" smtClean="0">
                 <a:solidFill>
                   <a:schemeClr val="accent1">
                     <a:lumMod val="60000"/>
@@ -6189,10 +6189,15 @@
                   </a:schemeClr>
                 </a:solidFill>
               </a:rPr>
-              <a:t>в этом </a:t>
-            </a:r>
-            <a:r>
-              <a:rPr lang="ru-RU" dirty="0" smtClean="0">
+              <a:t>)&amp;</a:t>
+            </a:r>
+          </a:p>
+          <a:p>
+            <a:pPr>
+              <a:buNone/>
+            </a:pPr>
+            <a:r>
+              <a:rPr lang="en-US" dirty="0" smtClean="0">
                 <a:solidFill>
                   <a:schemeClr val="accent1">
                     <a:lumMod val="60000"/>
@@ -6200,7 +6205,7 @@
                   </a:schemeClr>
                 </a:solidFill>
               </a:rPr>
-              <a:t>методе, </a:t>
+              <a:t>offset=(</a:t>
             </a:r>
             <a:r>
               <a:rPr lang="ru-RU" dirty="0" smtClean="0">
@@ -6211,7 +6216,7 @@
                   </a:schemeClr>
                 </a:solidFill>
               </a:rPr>
-              <a:t>максимальное число = 100</a:t>
+              <a:t>смещение – какой объект, от последнего вернуть</a:t>
             </a:r>
             <a:r>
               <a:rPr lang="en-US" dirty="0" smtClean="0">
@@ -6222,15 +6227,10 @@
                   </a:schemeClr>
                 </a:solidFill>
               </a:rPr>
-              <a:t>)&amp;</a:t>
-            </a:r>
-          </a:p>
-          <a:p>
-            <a:pPr>
-              <a:buNone/>
-            </a:pPr>
-            <a:r>
-              <a:rPr lang="en-US" dirty="0" smtClean="0">
+              <a:t>, 0 – </a:t>
+            </a:r>
+            <a:r>
+              <a:rPr lang="ru-RU" dirty="0" smtClean="0">
                 <a:solidFill>
                   <a:schemeClr val="accent1">
                     <a:lumMod val="60000"/>
@@ -6238,10 +6238,10 @@
                   </a:schemeClr>
                 </a:solidFill>
               </a:rPr>
-              <a:t>offset=(</a:t>
-            </a:r>
-            <a:r>
-              <a:rPr lang="ru-RU" dirty="0" smtClean="0">
+              <a:t>смещения нет</a:t>
+            </a:r>
+            <a:r>
+              <a:rPr lang="en-US" dirty="0" smtClean="0">
                 <a:solidFill>
                   <a:schemeClr val="accent1">
                     <a:lumMod val="60000"/>
@@ -6249,10 +6249,15 @@
                   </a:schemeClr>
                 </a:solidFill>
               </a:rPr>
-              <a:t>смещение – какой объект, от </a:t>
-            </a:r>
-            <a:r>
-              <a:rPr lang="ru-RU" dirty="0" smtClean="0">
+              <a:t>)&amp;</a:t>
+            </a:r>
+          </a:p>
+          <a:p>
+            <a:pPr>
+              <a:buNone/>
+            </a:pPr>
+            <a:r>
+              <a:rPr lang="en-US" dirty="0" smtClean="0">
                 <a:solidFill>
                   <a:schemeClr val="accent1">
                     <a:lumMod val="60000"/>
@@ -6260,10 +6265,10 @@
                   </a:schemeClr>
                 </a:solidFill>
               </a:rPr>
-              <a:t>последнего вернуть</a:t>
-            </a:r>
-            <a:r>
-              <a:rPr lang="en-US" dirty="0" smtClean="0">
+              <a:t>access_token=(</a:t>
+            </a:r>
+            <a:r>
+              <a:rPr lang="ru-RU" dirty="0" smtClean="0">
                 <a:solidFill>
                   <a:schemeClr val="accent1">
                     <a:lumMod val="60000"/>
@@ -6271,10 +6276,10 @@
                   </a:schemeClr>
                 </a:solidFill>
               </a:rPr>
-              <a:t>, 0 – </a:t>
-            </a:r>
-            <a:r>
-              <a:rPr lang="ru-RU" dirty="0" smtClean="0">
+              <a:t>сюда помещается наш токен</a:t>
+            </a:r>
+            <a:r>
+              <a:rPr lang="en-US" dirty="0" smtClean="0">
                 <a:solidFill>
                   <a:schemeClr val="accent1">
                     <a:lumMod val="60000"/>
@@ -6282,8 +6287,13 @@
                   </a:schemeClr>
                 </a:solidFill>
               </a:rPr>
-              <a:t>смещения нет</a:t>
-            </a:r>
+              <a:t>)&amp;</a:t>
+            </a:r>
+          </a:p>
+          <a:p>
+            <a:pPr>
+              <a:buNone/>
+            </a:pPr>
             <a:r>
               <a:rPr lang="en-US" dirty="0" smtClean="0">
                 <a:solidFill>
@@ -6293,23 +6303,10 @@
                   </a:schemeClr>
                 </a:solidFill>
               </a:rPr>
-              <a:t>)&amp;</a:t>
-            </a:r>
-            <a:endParaRPr lang="en-US" dirty="0" smtClean="0">
-              <a:solidFill>
-                <a:schemeClr val="accent1">
-                  <a:lumMod val="60000"/>
-                  <a:lumOff val="40000"/>
-                </a:schemeClr>
-              </a:solidFill>
-            </a:endParaRPr>
-          </a:p>
-          <a:p>
-            <a:pPr>
-              <a:buNone/>
-            </a:pPr>
-            <a:r>
-              <a:rPr lang="en-US" dirty="0" smtClean="0">
+              <a:t>v=(</a:t>
+            </a:r>
+            <a:r>
+              <a:rPr lang="ru-RU" dirty="0" smtClean="0">
                 <a:solidFill>
                   <a:schemeClr val="accent1">
                     <a:lumMod val="60000"/>
@@ -6317,67 +6314,7 @@
                   </a:schemeClr>
                 </a:solidFill>
               </a:rPr>
-              <a:t>access_token=(</a:t>
-            </a:r>
-            <a:r>
-              <a:rPr lang="ru-RU" dirty="0" smtClean="0">
-                <a:solidFill>
-                  <a:schemeClr val="accent1">
-                    <a:lumMod val="60000"/>
-                    <a:lumOff val="40000"/>
-                  </a:schemeClr>
-                </a:solidFill>
-              </a:rPr>
-              <a:t>сюда помещается наш токен</a:t>
-            </a:r>
-            <a:r>
-              <a:rPr lang="en-US" dirty="0" smtClean="0">
-                <a:solidFill>
-                  <a:schemeClr val="accent1">
-                    <a:lumMod val="60000"/>
-                    <a:lumOff val="40000"/>
-                  </a:schemeClr>
-                </a:solidFill>
-              </a:rPr>
-              <a:t>)&amp;</a:t>
-            </a:r>
-          </a:p>
-          <a:p>
-            <a:pPr>
-              <a:buNone/>
-            </a:pPr>
-            <a:r>
-              <a:rPr lang="en-US" dirty="0" smtClean="0">
-                <a:solidFill>
-                  <a:schemeClr val="accent1">
-                    <a:lumMod val="60000"/>
-                    <a:lumOff val="40000"/>
-                  </a:schemeClr>
-                </a:solidFill>
-              </a:rPr>
-              <a:t>v=(</a:t>
-            </a:r>
-            <a:r>
-              <a:rPr lang="ru-RU" dirty="0" smtClean="0">
-                <a:solidFill>
-                  <a:schemeClr val="accent1">
-                    <a:lumMod val="60000"/>
-                    <a:lumOff val="40000"/>
-                  </a:schemeClr>
-                </a:solidFill>
-              </a:rPr>
-              <a:t>версия ответа, мы будем использовать </a:t>
-            </a:r>
-            <a:r>
-              <a:rPr lang="ru-RU" dirty="0" smtClean="0">
-                <a:solidFill>
-                  <a:schemeClr val="accent1">
-                    <a:lumMod val="60000"/>
-                    <a:lumOff val="40000"/>
-                  </a:schemeClr>
-                </a:solidFill>
-              </a:rPr>
-              <a:t>5.126, можно другой</a:t>
+              <a:t>версия ответа, мы будем использовать 5.126, можно другой</a:t>
             </a:r>
             <a:r>
               <a:rPr lang="en-US" dirty="0" smtClean="0">
@@ -6568,11 +6505,7 @@
             </a:r>
             <a:r>
               <a:rPr lang="ru-RU" dirty="0" smtClean="0"/>
-              <a:t>магический </a:t>
-            </a:r>
-            <a:r>
-              <a:rPr lang="ru-RU" dirty="0" smtClean="0"/>
-              <a:t>метод, который при вызове класса позволяет принимать </a:t>
+              <a:t>магический метод, который при вызове класса позволяет принимать </a:t>
             </a:r>
             <a:r>
               <a:rPr lang="en-US" dirty="0" smtClean="0"/>
@@ -6588,11 +6521,7 @@
             </a:r>
             <a:r>
               <a:rPr lang="ru-RU" dirty="0" smtClean="0"/>
-              <a:t>через </a:t>
-            </a:r>
-            <a:r>
-              <a:rPr lang="ru-RU" dirty="0" smtClean="0"/>
-              <a:t>аргумент</a:t>
+              <a:t>через аргумент</a:t>
             </a:r>
           </a:p>
           <a:p>
@@ -6656,11 +6585,7 @@
             </a:pPr>
             <a:r>
               <a:rPr lang="ru-RU" dirty="0" smtClean="0"/>
-              <a:t>создайте </a:t>
-            </a:r>
-            <a:r>
-              <a:rPr lang="ru-RU" dirty="0" smtClean="0"/>
-              <a:t>переменную с параметрами метода </a:t>
+              <a:t>создайте переменную с параметрами метода </a:t>
             </a:r>
             <a:r>
               <a:rPr lang="en-US" dirty="0" smtClean="0"/>
@@ -6668,11 +6593,7 @@
             </a:r>
             <a:r>
               <a:rPr lang="ru-RU" dirty="0" smtClean="0"/>
-              <a:t> для сбора данных со </a:t>
-            </a:r>
-            <a:r>
-              <a:rPr lang="ru-RU" dirty="0" smtClean="0"/>
-              <a:t>странички</a:t>
+              <a:t> для сбора данных со странички</a:t>
             </a:r>
           </a:p>
           <a:p>
@@ -6682,29 +6603,8 @@
             </a:pPr>
             <a:r>
               <a:rPr lang="ru-RU" dirty="0" smtClean="0"/>
-              <a:t>Метод должен возвращал </a:t>
-            </a:r>
-            <a:r>
-              <a:rPr lang="ru-RU" dirty="0" smtClean="0"/>
-              <a:t>полную ссылку </a:t>
-            </a:r>
-            <a:r>
-              <a:rPr lang="ru-RU" dirty="0" smtClean="0"/>
-              <a:t>конкатенированную </a:t>
-            </a:r>
-            <a:r>
-              <a:rPr lang="ru-RU" dirty="0" smtClean="0"/>
-              <a:t>из раннее созданных </a:t>
-            </a:r>
-            <a:r>
-              <a:rPr lang="ru-RU" dirty="0" smtClean="0"/>
-              <a:t>переменных </a:t>
-            </a:r>
-            <a:r>
-              <a:rPr lang="ru-RU" dirty="0" smtClean="0"/>
-              <a:t>и аргументов</a:t>
-            </a:r>
-            <a:endParaRPr lang="ru-RU" dirty="0" smtClean="0"/>
+              <a:t>Метод должен возвращал полную ссылку конкатенированную из раннее созданных переменных и аргументов</a:t>
+            </a:r>
           </a:p>
           <a:p>
             <a:pPr>
@@ -6732,6 +6632,715 @@
             <a:r>
               <a:rPr lang="ru-RU" dirty="0" smtClean="0"/>
               <a:t>И вызовите его метод создающий полную ссылку (проверьте её)</a:t>
+            </a:r>
+          </a:p>
+        </p:txBody>
+      </p:sp>
+    </p:spTree>
+  </p:cSld>
+  <p:clrMapOvr>
+    <a:masterClrMapping/>
+  </p:clrMapOvr>
+</p:sld>
+</file>
+
+<file path=ppt/slides/slide12.xml><?xml version="1.0" encoding="utf-8"?>
+<p:sld xmlns:a="http://schemas.openxmlformats.org/drawingml/2006/main" xmlns:r="http://schemas.openxmlformats.org/officeDocument/2006/relationships" xmlns:p="http://schemas.openxmlformats.org/presentationml/2006/main">
+  <p:cSld>
+    <p:spTree>
+      <p:nvGrpSpPr>
+        <p:cNvPr id="1" name=""/>
+        <p:cNvGrpSpPr/>
+        <p:nvPr/>
+      </p:nvGrpSpPr>
+      <p:grpSpPr>
+        <a:xfrm>
+          <a:off x="0" y="0"/>
+          <a:ext cx="0" cy="0"/>
+          <a:chOff x="0" y="0"/>
+          <a:chExt cx="0" cy="0"/>
+        </a:xfrm>
+      </p:grpSpPr>
+      <p:sp>
+        <p:nvSpPr>
+          <p:cNvPr id="2" name="Заголовок 1"/>
+          <p:cNvSpPr>
+            <a:spLocks noGrp="1"/>
+          </p:cNvSpPr>
+          <p:nvPr>
+            <p:ph type="title"/>
+          </p:nvPr>
+        </p:nvSpPr>
+        <p:spPr>
+          <a:xfrm>
+            <a:off x="677334" y="609600"/>
+            <a:ext cx="8596668" cy="951781"/>
+          </a:xfrm>
+        </p:spPr>
+        <p:txBody>
+          <a:bodyPr/>
+          <a:lstStyle/>
+          <a:p>
+            <a:r>
+              <a:rPr lang="ru-RU" dirty="0" smtClean="0"/>
+              <a:t>Общая информация о </a:t>
+            </a:r>
+            <a:r>
+              <a:rPr lang="en-US" dirty="0" smtClean="0"/>
+              <a:t>json </a:t>
+            </a:r>
+            <a:r>
+              <a:rPr lang="ru-RU" dirty="0" smtClean="0"/>
+              <a:t>ответах</a:t>
+            </a:r>
+            <a:endParaRPr lang="ru-RU" dirty="0"/>
+          </a:p>
+        </p:txBody>
+      </p:sp>
+      <p:sp>
+        <p:nvSpPr>
+          <p:cNvPr id="3" name="Содержимое 2"/>
+          <p:cNvSpPr>
+            <a:spLocks noGrp="1"/>
+          </p:cNvSpPr>
+          <p:nvPr>
+            <p:ph idx="1"/>
+          </p:nvPr>
+        </p:nvSpPr>
+        <p:spPr>
+          <a:xfrm>
+            <a:off x="677334" y="2027208"/>
+            <a:ext cx="8596668" cy="4408098"/>
+          </a:xfrm>
+        </p:spPr>
+        <p:txBody>
+          <a:bodyPr/>
+          <a:lstStyle/>
+          <a:p>
+            <a:r>
+              <a:rPr lang="ru-RU" dirty="0" smtClean="0"/>
+              <a:t>Иногда </a:t>
+            </a:r>
+            <a:r>
+              <a:rPr lang="en-US" dirty="0" smtClean="0"/>
+              <a:t>Json </a:t>
+            </a:r>
+            <a:r>
+              <a:rPr lang="ru-RU" dirty="0" smtClean="0"/>
+              <a:t>ответы выглядят на первый взгляд сложно, но по сути они представляют собой древо из информации.</a:t>
+            </a:r>
+          </a:p>
+          <a:p>
+            <a:r>
+              <a:rPr lang="ru-RU" dirty="0" smtClean="0"/>
+              <a:t>А это значит, что если знать что искать, то задача упрощается.</a:t>
+            </a:r>
+          </a:p>
+          <a:p>
+            <a:r>
+              <a:rPr lang="ru-RU" dirty="0" smtClean="0"/>
+              <a:t>Так же нужно понимать, что </a:t>
+            </a:r>
+            <a:r>
+              <a:rPr lang="en-US" dirty="0" err="1" smtClean="0"/>
+              <a:t>vk</a:t>
+            </a:r>
+            <a:r>
+              <a:rPr lang="en-US" dirty="0" smtClean="0"/>
+              <a:t> </a:t>
+            </a:r>
+            <a:r>
+              <a:rPr lang="ru-RU" dirty="0" smtClean="0"/>
+              <a:t>предоставляет только открытую информацию - то что пользователи скрывают от посторонних, не будет возвращаться в ответе.</a:t>
+            </a:r>
+          </a:p>
+        </p:txBody>
+      </p:sp>
+    </p:spTree>
+  </p:cSld>
+  <p:clrMapOvr>
+    <a:masterClrMapping/>
+  </p:clrMapOvr>
+</p:sld>
+</file>
+
+<file path=ppt/slides/slide13.xml><?xml version="1.0" encoding="utf-8"?>
+<p:sld xmlns:a="http://schemas.openxmlformats.org/drawingml/2006/main" xmlns:r="http://schemas.openxmlformats.org/officeDocument/2006/relationships" xmlns:p="http://schemas.openxmlformats.org/presentationml/2006/main">
+  <p:cSld>
+    <p:spTree>
+      <p:nvGrpSpPr>
+        <p:cNvPr id="1" name=""/>
+        <p:cNvGrpSpPr/>
+        <p:nvPr/>
+      </p:nvGrpSpPr>
+      <p:grpSpPr>
+        <a:xfrm>
+          <a:off x="0" y="0"/>
+          <a:ext cx="0" cy="0"/>
+          <a:chOff x="0" y="0"/>
+          <a:chExt cx="0" cy="0"/>
+        </a:xfrm>
+      </p:grpSpPr>
+      <p:sp>
+        <p:nvSpPr>
+          <p:cNvPr id="2" name="Заголовок 1"/>
+          <p:cNvSpPr>
+            <a:spLocks noGrp="1"/>
+          </p:cNvSpPr>
+          <p:nvPr>
+            <p:ph type="title"/>
+          </p:nvPr>
+        </p:nvSpPr>
+        <p:spPr>
+          <a:xfrm>
+            <a:off x="677334" y="609600"/>
+            <a:ext cx="8596668" cy="865517"/>
+          </a:xfrm>
+        </p:spPr>
+        <p:txBody>
+          <a:bodyPr/>
+          <a:lstStyle/>
+          <a:p>
+            <a:r>
+              <a:rPr lang="ru-RU" dirty="0" smtClean="0"/>
+              <a:t>Вывод </a:t>
+            </a:r>
+            <a:r>
+              <a:rPr lang="en-US" dirty="0" smtClean="0"/>
+              <a:t>json </a:t>
+            </a:r>
+            <a:r>
+              <a:rPr lang="ru-RU" dirty="0" smtClean="0"/>
+              <a:t>в консоль</a:t>
+            </a:r>
+            <a:endParaRPr lang="ru-RU" dirty="0"/>
+          </a:p>
+        </p:txBody>
+      </p:sp>
+      <p:sp>
+        <p:nvSpPr>
+          <p:cNvPr id="3" name="Содержимое 2"/>
+          <p:cNvSpPr>
+            <a:spLocks noGrp="1"/>
+          </p:cNvSpPr>
+          <p:nvPr>
+            <p:ph idx="1"/>
+          </p:nvPr>
+        </p:nvSpPr>
+        <p:spPr>
+          <a:xfrm>
+            <a:off x="677334" y="2536166"/>
+            <a:ext cx="8596668" cy="2260121"/>
+          </a:xfrm>
+        </p:spPr>
+        <p:txBody>
+          <a:bodyPr>
+            <a:normAutofit/>
+          </a:bodyPr>
+          <a:lstStyle/>
+          <a:p>
+            <a:pPr>
+              <a:buFont typeface="Wingdings"/>
+              <a:buChar char="Ø"/>
+            </a:pPr>
+            <a:r>
+              <a:rPr lang="ru-RU" dirty="0" smtClean="0"/>
+              <a:t>Для </a:t>
+            </a:r>
+            <a:r>
+              <a:rPr lang="ru-RU" dirty="0" smtClean="0"/>
+              <a:t>нашего бота нам нужен </a:t>
+            </a:r>
+            <a:r>
+              <a:rPr lang="en-US" dirty="0" smtClean="0"/>
+              <a:t>id </a:t>
+            </a:r>
+            <a:r>
+              <a:rPr lang="ru-RU" dirty="0" smtClean="0"/>
+              <a:t>целевого объекта, на данном этапе – это послы со стены </a:t>
+            </a:r>
+            <a:r>
+              <a:rPr lang="en-US" dirty="0" err="1" smtClean="0"/>
+              <a:t>vk</a:t>
+            </a:r>
+            <a:r>
+              <a:rPr lang="ru-RU" dirty="0" smtClean="0"/>
+              <a:t>.</a:t>
+            </a:r>
+            <a:endParaRPr lang="en-US" dirty="0" smtClean="0"/>
+          </a:p>
+          <a:p>
+            <a:pPr>
+              <a:buFont typeface="Wingdings"/>
+              <a:buChar char="Ø"/>
+            </a:pPr>
+            <a:r>
+              <a:rPr lang="ru-RU" dirty="0" smtClean="0"/>
+              <a:t>Давайте </a:t>
+            </a:r>
+            <a:r>
+              <a:rPr lang="ru-RU" dirty="0" smtClean="0"/>
+              <a:t>запросим 1 пост со стены, что бы его изучить, для этого вызовем метод бота </a:t>
+            </a:r>
+            <a:r>
+              <a:rPr lang="en-US" dirty="0" smtClean="0"/>
+              <a:t>create_url</a:t>
+            </a:r>
+            <a:r>
+              <a:rPr lang="ru-RU" dirty="0" smtClean="0"/>
+              <a:t> – и в аргументе </a:t>
+            </a:r>
+            <a:r>
+              <a:rPr lang="en-US" dirty="0" smtClean="0"/>
+              <a:t>count </a:t>
+            </a:r>
+            <a:r>
+              <a:rPr lang="ru-RU" dirty="0" smtClean="0"/>
+              <a:t>поставим </a:t>
+            </a:r>
+            <a:r>
+              <a:rPr lang="ru-RU" dirty="0" smtClean="0"/>
+              <a:t>1</a:t>
+            </a:r>
+            <a:r>
+              <a:rPr lang="en-US" dirty="0" smtClean="0"/>
+              <a:t>.</a:t>
+            </a:r>
+            <a:endParaRPr lang="ru-RU" dirty="0" smtClean="0"/>
+          </a:p>
+          <a:p>
+            <a:pPr>
+              <a:buFont typeface="Wingdings"/>
+              <a:buChar char="Ø"/>
+            </a:pPr>
+            <a:r>
+              <a:rPr lang="ru-RU" dirty="0" smtClean="0"/>
+              <a:t>Затем передадим переменную с получившейся ссылкой в </a:t>
+            </a:r>
+            <a:r>
+              <a:rPr lang="en-US" dirty="0" smtClean="0"/>
+              <a:t>get_data()</a:t>
+            </a:r>
+            <a:endParaRPr lang="ru-RU" dirty="0" smtClean="0"/>
+          </a:p>
+        </p:txBody>
+      </p:sp>
+    </p:spTree>
+  </p:cSld>
+  <p:clrMapOvr>
+    <a:masterClrMapping/>
+  </p:clrMapOvr>
+</p:sld>
+</file>
+
+<file path=ppt/slides/slide14.xml><?xml version="1.0" encoding="utf-8"?>
+<p:sld xmlns:a="http://schemas.openxmlformats.org/drawingml/2006/main" xmlns:r="http://schemas.openxmlformats.org/officeDocument/2006/relationships" xmlns:p="http://schemas.openxmlformats.org/presentationml/2006/main">
+  <p:cSld>
+    <p:spTree>
+      <p:nvGrpSpPr>
+        <p:cNvPr id="1" name=""/>
+        <p:cNvGrpSpPr/>
+        <p:nvPr/>
+      </p:nvGrpSpPr>
+      <p:grpSpPr>
+        <a:xfrm>
+          <a:off x="0" y="0"/>
+          <a:ext cx="0" cy="0"/>
+          <a:chOff x="0" y="0"/>
+          <a:chExt cx="0" cy="0"/>
+        </a:xfrm>
+      </p:grpSpPr>
+      <p:sp>
+        <p:nvSpPr>
+          <p:cNvPr id="2" name="Заголовок 1"/>
+          <p:cNvSpPr>
+            <a:spLocks noGrp="1"/>
+          </p:cNvSpPr>
+          <p:nvPr>
+            <p:ph type="title"/>
+          </p:nvPr>
+        </p:nvSpPr>
+        <p:spPr>
+          <a:xfrm>
+            <a:off x="677334" y="609600"/>
+            <a:ext cx="8596668" cy="1055298"/>
+          </a:xfrm>
+        </p:spPr>
+        <p:txBody>
+          <a:bodyPr/>
+          <a:lstStyle/>
+          <a:p>
+            <a:r>
+              <a:rPr lang="ru-RU" dirty="0" smtClean="0"/>
+              <a:t>Поиск путей в </a:t>
+            </a:r>
+            <a:r>
+              <a:rPr lang="en-US" dirty="0" smtClean="0"/>
+              <a:t>json</a:t>
+            </a:r>
+            <a:endParaRPr lang="ru-RU" dirty="0"/>
+          </a:p>
+        </p:txBody>
+      </p:sp>
+      <p:sp>
+        <p:nvSpPr>
+          <p:cNvPr id="3" name="Содержимое 2"/>
+          <p:cNvSpPr>
+            <a:spLocks noGrp="1"/>
+          </p:cNvSpPr>
+          <p:nvPr>
+            <p:ph idx="1"/>
+          </p:nvPr>
+        </p:nvSpPr>
+        <p:spPr/>
+        <p:txBody>
+          <a:bodyPr/>
+          <a:lstStyle/>
+          <a:p>
+            <a:pPr>
+              <a:buFont typeface="Wingdings"/>
+              <a:buChar char="Ø"/>
+            </a:pPr>
+            <a:r>
+              <a:rPr lang="ru-RU" dirty="0" smtClean="0"/>
+              <a:t>Перед нами разворачивается следующая транскрипция:</a:t>
+            </a:r>
+          </a:p>
+          <a:p>
+            <a:pPr lvl="1">
+              <a:buFont typeface="Wingdings"/>
+              <a:buChar char="Ø"/>
+            </a:pPr>
+            <a:r>
+              <a:rPr lang="ru-RU" dirty="0" smtClean="0"/>
+              <a:t>Первая ветвь: </a:t>
+            </a:r>
+          </a:p>
+          <a:p>
+            <a:pPr lvl="1">
+              <a:buNone/>
+            </a:pPr>
+            <a:r>
+              <a:rPr lang="en-US" dirty="0" smtClean="0">
+                <a:solidFill>
+                  <a:schemeClr val="accent1">
+                    <a:lumMod val="60000"/>
+                    <a:lumOff val="40000"/>
+                  </a:schemeClr>
+                </a:solidFill>
+              </a:rPr>
+              <a:t>response</a:t>
+            </a:r>
+            <a:r>
+              <a:rPr lang="en-US" dirty="0" smtClean="0"/>
+              <a:t> – </a:t>
+            </a:r>
+            <a:r>
+              <a:rPr lang="ru-RU" dirty="0" smtClean="0"/>
+              <a:t>содержит в себе все содержимое ответа</a:t>
+            </a:r>
+            <a:r>
+              <a:rPr lang="en-US" dirty="0" smtClean="0"/>
+              <a:t>, </a:t>
+            </a:r>
+            <a:r>
+              <a:rPr lang="ru-RU" dirty="0" smtClean="0"/>
+              <a:t>проходим по нему. Больше здесь никаких путей нет.</a:t>
+            </a:r>
+          </a:p>
+          <a:p>
+            <a:pPr lvl="1">
+              <a:buFont typeface="Wingdings"/>
+              <a:buChar char="Ø"/>
+            </a:pPr>
+            <a:r>
+              <a:rPr lang="ru-RU" dirty="0" smtClean="0"/>
+              <a:t>Далее идёт 2 ветви: </a:t>
+            </a:r>
+          </a:p>
+          <a:p>
+            <a:pPr lvl="1">
+              <a:buNone/>
+            </a:pPr>
+            <a:r>
+              <a:rPr lang="en-US" dirty="0" smtClean="0">
+                <a:solidFill>
+                  <a:schemeClr val="accent1">
+                    <a:lumMod val="60000"/>
+                    <a:lumOff val="40000"/>
+                  </a:schemeClr>
+                </a:solidFill>
+              </a:rPr>
+              <a:t>count</a:t>
+            </a:r>
+            <a:r>
+              <a:rPr lang="en-US" dirty="0" smtClean="0"/>
+              <a:t> – </a:t>
+            </a:r>
+            <a:r>
+              <a:rPr lang="ru-RU" dirty="0" smtClean="0"/>
+              <a:t>	какие то количественные данные, они нам не нужны</a:t>
+            </a:r>
+          </a:p>
+          <a:p>
+            <a:pPr lvl="1">
+              <a:buNone/>
+            </a:pPr>
+            <a:r>
+              <a:rPr lang="en-US" dirty="0" smtClean="0">
+                <a:solidFill>
+                  <a:schemeClr val="accent1">
+                    <a:lumMod val="60000"/>
+                    <a:lumOff val="40000"/>
+                  </a:schemeClr>
+                </a:solidFill>
+              </a:rPr>
+              <a:t>items</a:t>
+            </a:r>
+            <a:r>
+              <a:rPr lang="en-US" dirty="0" smtClean="0"/>
+              <a:t> – </a:t>
+            </a:r>
+            <a:r>
+              <a:rPr lang="ru-RU" dirty="0" smtClean="0"/>
+              <a:t>	содержит в себе список объектов, проходим по </a:t>
+            </a:r>
+            <a:r>
+              <a:rPr lang="ru-RU" dirty="0" smtClean="0"/>
+              <a:t>нему</a:t>
+            </a:r>
+          </a:p>
+          <a:p>
+            <a:pPr lvl="1">
+              <a:buFont typeface="Wingdings"/>
+              <a:buChar char="Ø"/>
+            </a:pPr>
+            <a:r>
+              <a:rPr lang="ru-RU" dirty="0" smtClean="0"/>
+              <a:t>Перед </a:t>
+            </a:r>
+            <a:r>
+              <a:rPr lang="ru-RU" dirty="0" smtClean="0"/>
+              <a:t>нами разворачивается список объектов, здесь всего лишь один</a:t>
+            </a:r>
+            <a:r>
+              <a:rPr lang="en-US" dirty="0" smtClean="0"/>
+              <a:t> </a:t>
+            </a:r>
+            <a:r>
+              <a:rPr lang="ru-RU" dirty="0" smtClean="0"/>
+              <a:t>объект – </a:t>
+            </a:r>
+            <a:r>
+              <a:rPr lang="ru-RU" dirty="0" smtClean="0"/>
+              <a:t>наш </a:t>
+            </a:r>
+            <a:r>
+              <a:rPr lang="ru-RU" dirty="0" smtClean="0"/>
+              <a:t>запрос, но если бы мы увеличили число </a:t>
+            </a:r>
+            <a:r>
+              <a:rPr lang="en-US" dirty="0" smtClean="0"/>
+              <a:t>count </a:t>
+            </a:r>
+            <a:r>
+              <a:rPr lang="ru-RU" dirty="0" smtClean="0"/>
+              <a:t>то их было бы</a:t>
+            </a:r>
+            <a:r>
+              <a:rPr lang="en-US" dirty="0" smtClean="0"/>
+              <a:t> </a:t>
+            </a:r>
+            <a:r>
+              <a:rPr lang="ru-RU" dirty="0" smtClean="0"/>
+              <a:t>несколько, поэтому </a:t>
+            </a:r>
+            <a:r>
+              <a:rPr lang="ru-RU" dirty="0" smtClean="0"/>
+              <a:t>просто </a:t>
+            </a:r>
+            <a:r>
+              <a:rPr lang="ru-RU" dirty="0" smtClean="0"/>
+              <a:t>разворачиваем </a:t>
+            </a:r>
+            <a:r>
+              <a:rPr lang="ru-RU" dirty="0" smtClean="0"/>
+              <a:t>первый и единственный.</a:t>
+            </a:r>
+          </a:p>
+          <a:p>
+            <a:pPr lvl="1">
+              <a:buNone/>
+            </a:pPr>
+            <a:endParaRPr lang="ru-RU" dirty="0" smtClean="0"/>
+          </a:p>
+        </p:txBody>
+      </p:sp>
+    </p:spTree>
+  </p:cSld>
+  <p:clrMapOvr>
+    <a:masterClrMapping/>
+  </p:clrMapOvr>
+</p:sld>
+</file>
+
+<file path=ppt/slides/slide15.xml><?xml version="1.0" encoding="utf-8"?>
+<p:sld xmlns:a="http://schemas.openxmlformats.org/drawingml/2006/main" xmlns:r="http://schemas.openxmlformats.org/officeDocument/2006/relationships" xmlns:p="http://schemas.openxmlformats.org/presentationml/2006/main">
+  <p:cSld>
+    <p:spTree>
+      <p:nvGrpSpPr>
+        <p:cNvPr id="1" name=""/>
+        <p:cNvGrpSpPr/>
+        <p:nvPr/>
+      </p:nvGrpSpPr>
+      <p:grpSpPr>
+        <a:xfrm>
+          <a:off x="0" y="0"/>
+          <a:ext cx="0" cy="0"/>
+          <a:chOff x="0" y="0"/>
+          <a:chExt cx="0" cy="0"/>
+        </a:xfrm>
+      </p:grpSpPr>
+      <p:sp>
+        <p:nvSpPr>
+          <p:cNvPr id="2" name="Заголовок 1"/>
+          <p:cNvSpPr>
+            <a:spLocks noGrp="1"/>
+          </p:cNvSpPr>
+          <p:nvPr>
+            <p:ph type="title"/>
+          </p:nvPr>
+        </p:nvSpPr>
+        <p:spPr/>
+        <p:txBody>
+          <a:bodyPr/>
+          <a:lstStyle/>
+          <a:p>
+            <a:r>
+              <a:rPr lang="ru-RU" dirty="0" smtClean="0"/>
+              <a:t>Задача</a:t>
+            </a:r>
+            <a:endParaRPr lang="ru-RU" dirty="0"/>
+          </a:p>
+        </p:txBody>
+      </p:sp>
+      <p:sp>
+        <p:nvSpPr>
+          <p:cNvPr id="3" name="Содержимое 2"/>
+          <p:cNvSpPr>
+            <a:spLocks noGrp="1"/>
+          </p:cNvSpPr>
+          <p:nvPr>
+            <p:ph idx="1"/>
+          </p:nvPr>
+        </p:nvSpPr>
+        <p:spPr/>
+        <p:txBody>
+          <a:bodyPr/>
+          <a:lstStyle/>
+          <a:p>
+            <a:pPr marL="0">
+              <a:buNone/>
+            </a:pPr>
+            <a:r>
+              <a:rPr lang="ru-RU" dirty="0" smtClean="0"/>
+              <a:t>На данном этапе перед </a:t>
+            </a:r>
+            <a:r>
+              <a:rPr lang="ru-RU" dirty="0" smtClean="0"/>
+              <a:t>нами разворачивается уже большое количество интересной информации о </a:t>
+            </a:r>
+            <a:r>
+              <a:rPr lang="ru-RU" dirty="0" smtClean="0"/>
+              <a:t>посте, изучите</a:t>
+            </a:r>
+            <a:r>
+              <a:rPr lang="en-US" dirty="0" smtClean="0"/>
+              <a:t> </a:t>
+            </a:r>
+            <a:r>
+              <a:rPr lang="ru-RU" dirty="0" smtClean="0"/>
+              <a:t>ее</a:t>
+            </a:r>
+          </a:p>
+          <a:p>
+            <a:pPr>
+              <a:buFont typeface="Wingdings"/>
+              <a:buChar char="Ø"/>
+            </a:pPr>
+            <a:r>
+              <a:rPr lang="ru-RU" dirty="0" smtClean="0"/>
+              <a:t>Найдите и </a:t>
+            </a:r>
+            <a:r>
+              <a:rPr lang="ru-RU" dirty="0" smtClean="0"/>
+              <a:t>в</a:t>
+            </a:r>
+            <a:r>
+              <a:rPr lang="ru-RU" dirty="0" smtClean="0"/>
+              <a:t>ытащим </a:t>
+            </a:r>
+            <a:r>
+              <a:rPr lang="en-US" dirty="0" smtClean="0"/>
+              <a:t>id, text, </a:t>
+            </a:r>
+            <a:r>
+              <a:rPr lang="ru-RU" dirty="0" smtClean="0"/>
+              <a:t>а так </a:t>
+            </a:r>
+            <a:r>
+              <a:rPr lang="ru-RU" dirty="0" smtClean="0"/>
+              <a:t>же </a:t>
+            </a:r>
+            <a:r>
+              <a:rPr lang="en-US" dirty="0" smtClean="0"/>
+              <a:t>user_likes</a:t>
+            </a:r>
+            <a:r>
+              <a:rPr lang="ru-RU" dirty="0" smtClean="0"/>
+              <a:t> </a:t>
+            </a:r>
+            <a:r>
+              <a:rPr lang="ru-RU" dirty="0" smtClean="0"/>
+              <a:t>- </a:t>
+            </a:r>
+            <a:r>
+              <a:rPr lang="ru-RU" dirty="0" smtClean="0"/>
+              <a:t>он </a:t>
+            </a:r>
+            <a:r>
+              <a:rPr lang="ru-RU" dirty="0" smtClean="0"/>
+              <a:t>показывает </a:t>
+            </a:r>
+            <a:r>
+              <a:rPr lang="ru-RU" dirty="0" smtClean="0"/>
+              <a:t>поставил ли </a:t>
+            </a:r>
+            <a:r>
+              <a:rPr lang="ru-RU" dirty="0" err="1" smtClean="0"/>
+              <a:t>лайк</a:t>
+            </a:r>
+            <a:r>
+              <a:rPr lang="ru-RU" dirty="0" smtClean="0"/>
+              <a:t> данный пользователь посту или нет?</a:t>
+            </a:r>
+          </a:p>
+          <a:p>
+            <a:pPr lvl="1">
+              <a:buFont typeface="Wingdings"/>
+              <a:buChar char="Ø"/>
+            </a:pPr>
+            <a:r>
+              <a:rPr lang="ru-RU" dirty="0" smtClean="0"/>
+              <a:t>Дополните </a:t>
+            </a:r>
+            <a:r>
+              <a:rPr lang="en-US" dirty="0" smtClean="0"/>
+              <a:t>get_data </a:t>
+            </a:r>
+            <a:r>
+              <a:rPr lang="ru-RU" dirty="0" smtClean="0"/>
+              <a:t>так, что бы он возвращал, эти данные.</a:t>
             </a:r>
           </a:p>
         </p:txBody>
@@ -6808,11 +7417,7 @@
           <a:p>
             <a:r>
               <a:rPr lang="ru-RU" dirty="0" smtClean="0"/>
-              <a:t>Коды </a:t>
-            </a:r>
-            <a:r>
-              <a:rPr lang="ru-RU" dirty="0" smtClean="0"/>
-              <a:t>ответа</a:t>
+              <a:t>Коды ответа</a:t>
             </a:r>
           </a:p>
           <a:p>
@@ -7268,11 +7873,7 @@
             </a:pPr>
             <a:r>
               <a:rPr lang="en-US" dirty="0" smtClean="0"/>
-              <a:t>i</a:t>
-            </a:r>
-            <a:r>
-              <a:rPr lang="en-US" dirty="0" smtClean="0"/>
-              <a:t>mport requests</a:t>
+              <a:t>import requests</a:t>
             </a:r>
           </a:p>
           <a:p>
@@ -7302,23 +7903,7 @@
                   <a:schemeClr val="tx1"/>
                 </a:solidFill>
               </a:rPr>
-              <a:t>‘https</a:t>
-            </a:r>
-            <a:r>
-              <a:rPr lang="en-US" dirty="0" smtClean="0">
-                <a:solidFill>
-                  <a:schemeClr val="tx1"/>
-                </a:solidFill>
-              </a:rPr>
-              <a:t>://</a:t>
-            </a:r>
-            <a:r>
-              <a:rPr lang="en-US" dirty="0" smtClean="0">
-                <a:solidFill>
-                  <a:schemeClr val="tx1"/>
-                </a:solidFill>
-              </a:rPr>
-              <a:t>api.vk.com/method/wall.get?’</a:t>
+              <a:t>‘https://api.vk.com/method/wall.get?’</a:t>
             </a:r>
             <a:r>
               <a:rPr lang="en-US" dirty="0" smtClean="0">
@@ -7464,15 +8049,7 @@
                   <a:schemeClr val="tx1"/>
                 </a:solidFill>
               </a:rPr>
-              <a:t>для </a:t>
-            </a:r>
-            <a:r>
-              <a:rPr lang="ru-RU" dirty="0" smtClean="0">
-                <a:solidFill>
-                  <a:schemeClr val="tx1"/>
-                </a:solidFill>
-              </a:rPr>
-              <a:t>получения</a:t>
+              <a:t>для получения</a:t>
             </a:r>
             <a:r>
               <a:rPr lang="en-US" dirty="0" smtClean="0">
@@ -7498,11 +8075,6 @@
               </a:rPr>
               <a:t>json</a:t>
             </a:r>
-            <a:endParaRPr lang="en-US" dirty="0" smtClean="0">
-              <a:solidFill>
-                <a:schemeClr val="tx1"/>
-              </a:solidFill>
-            </a:endParaRPr>
           </a:p>
           <a:p>
             <a:pPr>
@@ -7524,15 +8096,7 @@
                   <a:schemeClr val="tx1"/>
                 </a:solidFill>
               </a:rPr>
-              <a:t>https</a:t>
-            </a:r>
-            <a:r>
-              <a:rPr lang="en-US" dirty="0" smtClean="0">
-                <a:solidFill>
-                  <a:schemeClr val="tx1"/>
-                </a:solidFill>
-              </a:rPr>
-              <a:t>://api.vk.com/method/wall.get?’</a:t>
+              <a:t>https://api.vk.com/method/wall.get?’</a:t>
             </a:r>
             <a:r>
               <a:rPr lang="en-US" dirty="0" smtClean="0"/>
@@ -7687,11 +8251,7 @@
             </a:r>
             <a:r>
               <a:rPr lang="en-US" dirty="0" smtClean="0"/>
-              <a:t>: </a:t>
-            </a:r>
-            <a:r>
-              <a:rPr lang="en-US" dirty="0" smtClean="0"/>
-              <a:t>{</a:t>
+              <a:t>: {</a:t>
             </a:r>
           </a:p>
           <a:p>
@@ -7707,6 +8267,34 @@
                   </a:schemeClr>
                 </a:solidFill>
               </a:rPr>
+              <a:t>    “error_code”</a:t>
+            </a:r>
+            <a:r>
+              <a:rPr lang="en-US" dirty="0" smtClean="0"/>
+              <a:t>: </a:t>
+            </a:r>
+            <a:r>
+              <a:rPr lang="en-US" dirty="0" smtClean="0">
+                <a:solidFill>
+                  <a:schemeClr val="bg2">
+                    <a:lumMod val="40000"/>
+                    <a:lumOff val="60000"/>
+                  </a:schemeClr>
+                </a:solidFill>
+              </a:rPr>
+              <a:t>5</a:t>
+            </a:r>
+            <a:r>
+              <a:rPr lang="en-US" dirty="0" smtClean="0"/>
+              <a:t>,</a:t>
+            </a:r>
+          </a:p>
+          <a:p>
+            <a:pPr>
+              <a:buNone/>
+            </a:pPr>
+            <a:r>
+              <a:rPr lang="en-US" dirty="0" smtClean="0"/>
               <a:t>    </a:t>
             </a:r>
             <a:r>
@@ -7718,35 +8306,11 @@
                   </a:schemeClr>
                 </a:solidFill>
               </a:rPr>
-              <a:t>“error_code”</a:t>
+              <a:t>“error_msg”</a:t>
             </a:r>
             <a:r>
               <a:rPr lang="en-US" dirty="0" smtClean="0"/>
               <a:t>: </a:t>
-            </a:r>
-            <a:r>
-              <a:rPr lang="en-US" dirty="0" smtClean="0">
-                <a:solidFill>
-                  <a:schemeClr val="bg2">
-                    <a:lumMod val="40000"/>
-                    <a:lumOff val="60000"/>
-                  </a:schemeClr>
-                </a:solidFill>
-              </a:rPr>
-              <a:t>5</a:t>
-            </a:r>
-            <a:r>
-              <a:rPr lang="en-US" dirty="0" smtClean="0"/>
-              <a:t>,</a:t>
-            </a:r>
-          </a:p>
-          <a:p>
-            <a:pPr>
-              <a:buNone/>
-            </a:pPr>
-            <a:r>
-              <a:rPr lang="en-US" dirty="0" smtClean="0"/>
-              <a:t>    </a:t>
             </a:r>
             <a:r>
               <a:rPr lang="en-US" dirty="0" smtClean="0">
@@ -7757,11 +8321,45 @@
                   </a:schemeClr>
                 </a:solidFill>
               </a:rPr>
-              <a:t>“error_msg”</a:t>
+              <a:t>“User authorization failed: no access_token passed.”</a:t>
             </a:r>
             <a:r>
               <a:rPr lang="en-US" dirty="0" smtClean="0"/>
-              <a:t>: </a:t>
+              <a:t>,</a:t>
+            </a:r>
+          </a:p>
+          <a:p>
+            <a:pPr>
+              <a:buNone/>
+            </a:pPr>
+            <a:r>
+              <a:rPr lang="en-US" dirty="0" smtClean="0"/>
+              <a:t>    </a:t>
+            </a:r>
+            <a:r>
+              <a:rPr lang="en-US" dirty="0" smtClean="0">
+                <a:solidFill>
+                  <a:srgbClr val="FFC000"/>
+                </a:solidFill>
+              </a:rPr>
+              <a:t>“request_params”</a:t>
+            </a:r>
+            <a:r>
+              <a:rPr lang="en-US" dirty="0" smtClean="0"/>
+              <a:t>: [</a:t>
+            </a:r>
+          </a:p>
+          <a:p>
+            <a:pPr>
+              <a:buNone/>
+            </a:pPr>
+            <a:r>
+              <a:rPr lang="en-US" dirty="0" smtClean="0"/>
+              <a:t>      {</a:t>
+            </a:r>
+            <a:r>
+              <a:rPr lang="ru-RU" dirty="0" smtClean="0"/>
+              <a:t> </a:t>
             </a:r>
             <a:r>
               <a:rPr lang="en-US" dirty="0" smtClean="0">
@@ -7772,7 +8370,11 @@
                   </a:schemeClr>
                 </a:solidFill>
               </a:rPr>
-              <a:t>“User </a:t>
+              <a:t>“key”</a:t>
+            </a:r>
+            <a:r>
+              <a:rPr lang="en-US" dirty="0" smtClean="0"/>
+              <a:t>: </a:t>
             </a:r>
             <a:r>
               <a:rPr lang="en-US" dirty="0" smtClean="0">
@@ -7783,7 +8385,20 @@
                   </a:schemeClr>
                 </a:solidFill>
               </a:rPr>
-              <a:t>authorization failed: no access_token passed</a:t>
+              <a:t>“method”</a:t>
+            </a:r>
+            <a:r>
+              <a:rPr lang="en-US" dirty="0" smtClean="0"/>
+              <a:t>,</a:t>
+            </a:r>
+          </a:p>
+          <a:p>
+            <a:pPr>
+              <a:buNone/>
+            </a:pPr>
+            <a:r>
+              <a:rPr lang="en-US" dirty="0" smtClean="0"/>
+              <a:t>        </a:t>
             </a:r>
             <a:r>
               <a:rPr lang="en-US" dirty="0" smtClean="0">
@@ -7794,46 +8409,11 @@
                   </a:schemeClr>
                 </a:solidFill>
               </a:rPr>
-              <a:t>.”</a:t>
+              <a:t>“value”</a:t>
             </a:r>
             <a:r>
               <a:rPr lang="en-US" dirty="0" smtClean="0"/>
-              <a:t>,</a:t>
-            </a:r>
-            <a:endParaRPr lang="en-US" dirty="0" smtClean="0"/>
-          </a:p>
-          <a:p>
-            <a:pPr>
-              <a:buNone/>
-            </a:pPr>
-            <a:r>
-              <a:rPr lang="en-US" dirty="0" smtClean="0"/>
-              <a:t>    </a:t>
-            </a:r>
-            <a:r>
-              <a:rPr lang="en-US" dirty="0" smtClean="0">
-                <a:solidFill>
-                  <a:srgbClr val="FFC000"/>
-                </a:solidFill>
-              </a:rPr>
-              <a:t>“request_params”</a:t>
-            </a:r>
-            <a:r>
-              <a:rPr lang="en-US" dirty="0" smtClean="0"/>
-              <a:t>: [</a:t>
-            </a:r>
-          </a:p>
-          <a:p>
-            <a:pPr>
-              <a:buNone/>
-            </a:pPr>
-            <a:r>
-              <a:rPr lang="en-US" dirty="0" smtClean="0"/>
-              <a:t>      {</a:t>
-            </a:r>
-            <a:r>
-              <a:rPr lang="ru-RU" dirty="0" smtClean="0"/>
-              <a:t> </a:t>
+              <a:t>: </a:t>
             </a:r>
             <a:r>
               <a:rPr lang="en-US" dirty="0" smtClean="0">
@@ -7844,11 +8424,24 @@
                   </a:schemeClr>
                 </a:solidFill>
               </a:rPr>
-              <a:t>“key”</a:t>
+              <a:t>“wall.get”</a:t>
+            </a:r>
+            <a:r>
+              <a:rPr lang="ru-RU" dirty="0" smtClean="0"/>
+              <a:t> </a:t>
             </a:r>
             <a:r>
               <a:rPr lang="en-US" dirty="0" smtClean="0"/>
-              <a:t>: </a:t>
+              <a:t>},</a:t>
+            </a:r>
+          </a:p>
+          <a:p>
+            <a:pPr>
+              <a:buNone/>
+            </a:pPr>
+            <a:r>
+              <a:rPr lang="en-US" dirty="0" smtClean="0"/>
+              <a:t>      { </a:t>
             </a:r>
             <a:r>
               <a:rPr lang="en-US" dirty="0" smtClean="0">
@@ -7859,20 +8452,11 @@
                   </a:schemeClr>
                 </a:solidFill>
               </a:rPr>
-              <a:t>“method”</a:t>
+              <a:t>“key”</a:t>
             </a:r>
             <a:r>
               <a:rPr lang="en-US" dirty="0" smtClean="0"/>
-              <a:t>,</a:t>
-            </a:r>
-          </a:p>
-          <a:p>
-            <a:pPr>
-              <a:buNone/>
-            </a:pPr>
-            <a:r>
-              <a:rPr lang="en-US" dirty="0" smtClean="0"/>
-              <a:t>        </a:t>
+              <a:t>: </a:t>
             </a:r>
             <a:r>
               <a:rPr lang="en-US" dirty="0" smtClean="0">
@@ -7883,11 +8467,20 @@
                   </a:schemeClr>
                 </a:solidFill>
               </a:rPr>
-              <a:t>“value”</a:t>
+              <a:t>“oauth”</a:t>
             </a:r>
             <a:r>
               <a:rPr lang="en-US" dirty="0" smtClean="0"/>
-              <a:t>: </a:t>
+              <a:t>,</a:t>
+            </a:r>
+          </a:p>
+          <a:p>
+            <a:pPr>
+              <a:buNone/>
+            </a:pPr>
+            <a:r>
+              <a:rPr lang="en-US" dirty="0" smtClean="0"/>
+              <a:t>        </a:t>
             </a:r>
             <a:r>
               <a:rPr lang="en-US" dirty="0" smtClean="0">
@@ -7898,29 +8491,11 @@
                   </a:schemeClr>
                 </a:solidFill>
               </a:rPr>
-              <a:t>“wall.get”</a:t>
-            </a:r>
-            <a:r>
-              <a:rPr lang="ru-RU" dirty="0" smtClean="0"/>
-              <a:t> </a:t>
+              <a:t>“value”</a:t>
             </a:r>
             <a:r>
               <a:rPr lang="en-US" dirty="0" smtClean="0"/>
-              <a:t>},</a:t>
-            </a:r>
-            <a:endParaRPr lang="en-US" dirty="0" smtClean="0"/>
-          </a:p>
-          <a:p>
-            <a:pPr>
-              <a:buNone/>
-            </a:pPr>
-            <a:r>
-              <a:rPr lang="en-US" dirty="0" smtClean="0"/>
-              <a:t>      </a:t>
-            </a:r>
-            <a:r>
-              <a:rPr lang="en-US" dirty="0" smtClean="0"/>
-              <a:t>{ </a:t>
+              <a:t>: </a:t>
             </a:r>
             <a:r>
               <a:rPr lang="en-US" dirty="0" smtClean="0">
@@ -7931,68 +8506,12 @@
                   </a:schemeClr>
                 </a:solidFill>
               </a:rPr>
-              <a:t>“key”</a:t>
-            </a:r>
-            <a:r>
-              <a:rPr lang="en-US" dirty="0" smtClean="0"/>
-              <a:t>: </a:t>
-            </a:r>
-            <a:r>
-              <a:rPr lang="en-US" dirty="0" smtClean="0">
-                <a:solidFill>
-                  <a:schemeClr val="accent1">
-                    <a:lumMod val="60000"/>
-                    <a:lumOff val="40000"/>
-                  </a:schemeClr>
-                </a:solidFill>
-              </a:rPr>
-              <a:t>“oauth”</a:t>
-            </a:r>
-            <a:r>
-              <a:rPr lang="en-US" dirty="0" smtClean="0"/>
-              <a:t>,</a:t>
-            </a:r>
-            <a:endParaRPr lang="en-US" dirty="0" smtClean="0"/>
-          </a:p>
-          <a:p>
-            <a:pPr>
-              <a:buNone/>
-            </a:pPr>
-            <a:r>
-              <a:rPr lang="en-US" dirty="0" smtClean="0"/>
-              <a:t>        </a:t>
-            </a:r>
-            <a:r>
-              <a:rPr lang="en-US" dirty="0" smtClean="0">
-                <a:solidFill>
-                  <a:schemeClr val="accent1">
-                    <a:lumMod val="60000"/>
-                    <a:lumOff val="40000"/>
-                  </a:schemeClr>
-                </a:solidFill>
-              </a:rPr>
-              <a:t>“value”</a:t>
-            </a:r>
-            <a:r>
-              <a:rPr lang="en-US" dirty="0" smtClean="0"/>
-              <a:t>: </a:t>
-            </a:r>
-            <a:r>
-              <a:rPr lang="en-US" dirty="0" smtClean="0">
-                <a:solidFill>
-                  <a:schemeClr val="accent1">
-                    <a:lumMod val="60000"/>
-                    <a:lumOff val="40000"/>
-                  </a:schemeClr>
-                </a:solidFill>
-              </a:rPr>
               <a:t>“1”</a:t>
             </a:r>
             <a:r>
               <a:rPr lang="en-US" dirty="0" smtClean="0"/>
               <a:t>}</a:t>
             </a:r>
-            <a:endParaRPr lang="en-US" dirty="0" smtClean="0"/>
           </a:p>
           <a:p>
             <a:pPr>
@@ -8000,11 +8519,7 @@
             </a:pPr>
             <a:r>
               <a:rPr lang="en-US" dirty="0" smtClean="0"/>
-              <a:t>    </a:t>
-            </a:r>
-            <a:r>
-              <a:rPr lang="en-US" dirty="0" smtClean="0"/>
-              <a:t>] </a:t>
+              <a:t>    ] </a:t>
             </a:r>
             <a:r>
               <a:rPr lang="en-US" dirty="0" smtClean="0">
@@ -8039,11 +8554,7 @@
             </a:pPr>
             <a:r>
               <a:rPr lang="en-US" dirty="0" smtClean="0"/>
-              <a:t>  </a:t>
-            </a:r>
-            <a:r>
-              <a:rPr lang="en-US" dirty="0" smtClean="0"/>
-              <a:t>} </a:t>
+              <a:t>  } </a:t>
             </a:r>
             <a:r>
               <a:rPr lang="en-US" dirty="0" smtClean="0">
@@ -8157,11 +8668,7 @@
             </a:pPr>
             <a:r>
               <a:rPr lang="ru-RU" dirty="0" smtClean="0"/>
-              <a:t>Заметно, </a:t>
-            </a:r>
-            <a:r>
-              <a:rPr lang="ru-RU" dirty="0" smtClean="0"/>
-              <a:t>что </a:t>
+              <a:t>Заметно, что </a:t>
             </a:r>
             <a:r>
               <a:rPr lang="en-US" dirty="0" smtClean="0"/>
@@ -8247,11 +8754,7 @@
             </a:pPr>
             <a:r>
               <a:rPr lang="ru-RU" dirty="0" smtClean="0"/>
-              <a:t>Вытащите значение </a:t>
-            </a:r>
-            <a:r>
-              <a:rPr lang="ru-RU" dirty="0" smtClean="0"/>
-              <a:t>метода</a:t>
+              <a:t>Вытащите значение метода</a:t>
             </a:r>
             <a:r>
               <a:rPr lang="en-US" dirty="0" smtClean="0"/>
@@ -8261,7 +8764,6 @@
               <a:rPr lang="ru-RU" dirty="0" smtClean="0"/>
               <a:t>который мы подаем</a:t>
             </a:r>
-            <a:endParaRPr lang="ru-RU" dirty="0" smtClean="0"/>
           </a:p>
           <a:p>
             <a:endParaRPr lang="en-US" dirty="0" smtClean="0"/>
@@ -8296,15 +8798,7 @@
             </a:pPr>
             <a:r>
               <a:rPr lang="ru-RU" dirty="0" smtClean="0"/>
-              <a:t>В аргументе фу</a:t>
-            </a:r>
-            <a:r>
-              <a:rPr lang="ru-RU" dirty="0" smtClean="0"/>
-              <a:t>н</a:t>
-            </a:r>
-            <a:r>
-              <a:rPr lang="ru-RU" dirty="0" smtClean="0"/>
-              <a:t>кция должна принимать </a:t>
+              <a:t>В аргументе функция должна принимать </a:t>
             </a:r>
             <a:r>
               <a:rPr lang="en-US" dirty="0" smtClean="0"/>
@@ -8605,7 +9099,7 @@
   <a:extraClrSchemeLst/>
   <a:extLst>
     <a:ext uri="{05A4C25C-085E-4340-85A3-A5531E510DB2}">
-      <thm15:themeFamily xmlns:thm15="http://schemas.microsoft.com/office/thememl/2012/main" xmlns="" name="Facet" id="{C0C680CD-088A-49FC-A102-D699147F32B2}" vid="{8C59B386-999D-4CB6-B907-9F3997C027CC}"/>
+      <thm15:themeFamily xmlns="" xmlns:thm15="http://schemas.microsoft.com/office/thememl/2012/main" name="Facet" id="{C0C680CD-088A-49FC-A102-D699147F32B2}" vid="{8C59B386-999D-4CB6-B907-9F3997C027CC}"/>
     </a:ext>
   </a:extLst>
 </a:theme>
